--- a/java/DOCS/Ryhmä 9 - Lämpötilaseuranta v4.pptx
+++ b/java/DOCS/Ryhmä 9 - Lämpötilaseuranta v4.pptx
@@ -5,15 +5,18 @@
     <p:sldMasterId id="2147483648" r:id="rId1"/>
   </p:sldMasterIdLst>
   <p:notesMasterIdLst>
-    <p:notesMasterId r:id="rId8"/>
+    <p:notesMasterId r:id="rId11"/>
   </p:notesMasterIdLst>
   <p:sldIdLst>
     <p:sldId id="256" r:id="rId2"/>
     <p:sldId id="257" r:id="rId3"/>
     <p:sldId id="258" r:id="rId4"/>
-    <p:sldId id="259" r:id="rId5"/>
-    <p:sldId id="260" r:id="rId6"/>
-    <p:sldId id="261" r:id="rId7"/>
+    <p:sldId id="262" r:id="rId5"/>
+    <p:sldId id="259" r:id="rId6"/>
+    <p:sldId id="263" r:id="rId7"/>
+    <p:sldId id="260" r:id="rId8"/>
+    <p:sldId id="264" r:id="rId9"/>
+    <p:sldId id="261" r:id="rId10"/>
   </p:sldIdLst>
   <p:sldSz cx="12192000" cy="6858000"/>
   <p:notesSz cx="6858000" cy="9144000"/>
@@ -113,6 +116,23 @@
     </a:lvl9pPr>
   </p:defaultTextStyle>
   <p:extLst>
+    <p:ext uri="{521415D9-36F7-43E2-AB2F-B90AF26B5E84}">
+      <p14:sectionLst xmlns:p14="http://schemas.microsoft.com/office/powerpoint/2010/main">
+        <p14:section name="Oletusosa" id="{C3F51B79-1571-44F9-8DF3-0EDBBF9FEB63}">
+          <p14:sldIdLst>
+            <p14:sldId id="256"/>
+            <p14:sldId id="257"/>
+            <p14:sldId id="258"/>
+            <p14:sldId id="262"/>
+            <p14:sldId id="259"/>
+            <p14:sldId id="263"/>
+            <p14:sldId id="260"/>
+            <p14:sldId id="264"/>
+            <p14:sldId id="261"/>
+          </p14:sldIdLst>
+        </p14:section>
+      </p14:sectionLst>
+    </p:ext>
     <p:ext uri="{EFAFB233-063F-42B5-8137-9DF3F51BA10A}">
       <p15:sldGuideLst xmlns:p15="http://schemas.microsoft.com/office/powerpoint/2012/main"/>
     </p:ext>
@@ -202,7 +222,7 @@
           <a:p>
             <a:fld id="{B7584FA8-6991-450F-A0BA-FF09BEC0681A}" type="datetimeFigureOut">
               <a:rPr lang="en-US" smtClean="0"/>
-              <a:t>2/14/2018</a:t>
+              <a:t>3/1/2018</a:t>
             </a:fld>
             <a:endParaRPr lang="en-US"/>
           </a:p>
@@ -514,14 +534,7 @@
           <a:bodyPr/>
           <a:lstStyle/>
           <a:p>
-            <a:r>
-              <a:rPr lang="fi-FI" dirty="0" err="1"/>
-              <a:t>Hablas</a:t>
-            </a:r>
-            <a:r>
-              <a:rPr lang="fi-FI" dirty="0"/>
-              <a:t>!</a:t>
-            </a:r>
+            <a:endParaRPr lang="fi-FI" dirty="0"/>
           </a:p>
           <a:p>
             <a:endParaRPr lang="en-US" dirty="0"/>
@@ -545,7 +558,7 @@
           <a:p>
             <a:fld id="{E5528748-6319-4C7B-AFEC-625845A24DF4}" type="slidenum">
               <a:rPr lang="en-US" smtClean="0"/>
-              <a:t>4</a:t>
+              <a:t>5</a:t>
             </a:fld>
             <a:endParaRPr lang="en-US"/>
           </a:p>
@@ -555,6 +568,90 @@
     <p:extLst>
       <p:ext uri="{BB962C8B-B14F-4D97-AF65-F5344CB8AC3E}">
         <p14:creationId xmlns:p14="http://schemas.microsoft.com/office/powerpoint/2010/main" val="1191142001"/>
+      </p:ext>
+    </p:extLst>
+  </p:cSld>
+  <p:clrMapOvr>
+    <a:masterClrMapping/>
+  </p:clrMapOvr>
+</p:notes>
+</file>
+
+<file path=ppt/notesSlides/notesSlide2.xml><?xml version="1.0" encoding="utf-8"?>
+<p:notes xmlns:a="http://schemas.openxmlformats.org/drawingml/2006/main" xmlns:r="http://schemas.openxmlformats.org/officeDocument/2006/relationships" xmlns:p="http://schemas.openxmlformats.org/presentationml/2006/main">
+  <p:cSld>
+    <p:spTree>
+      <p:nvGrpSpPr>
+        <p:cNvPr id="1" name=""/>
+        <p:cNvGrpSpPr/>
+        <p:nvPr/>
+      </p:nvGrpSpPr>
+      <p:grpSpPr>
+        <a:xfrm>
+          <a:off x="0" y="0"/>
+          <a:ext cx="0" cy="0"/>
+          <a:chOff x="0" y="0"/>
+          <a:chExt cx="0" cy="0"/>
+        </a:xfrm>
+      </p:grpSpPr>
+      <p:sp>
+        <p:nvSpPr>
+          <p:cNvPr id="2" name="Dian kuvan paikkamerkki 1"/>
+          <p:cNvSpPr>
+            <a:spLocks noGrp="1" noRot="1" noChangeAspect="1"/>
+          </p:cNvSpPr>
+          <p:nvPr>
+            <p:ph type="sldImg"/>
+          </p:nvPr>
+        </p:nvSpPr>
+        <p:spPr/>
+      </p:sp>
+      <p:sp>
+        <p:nvSpPr>
+          <p:cNvPr id="3" name="Huomautusten paikkamerkki 2"/>
+          <p:cNvSpPr>
+            <a:spLocks noGrp="1"/>
+          </p:cNvSpPr>
+          <p:nvPr>
+            <p:ph type="body" idx="1"/>
+          </p:nvPr>
+        </p:nvSpPr>
+        <p:spPr/>
+        <p:txBody>
+          <a:bodyPr/>
+          <a:lstStyle/>
+          <a:p>
+            <a:endParaRPr lang="en-US" dirty="0"/>
+          </a:p>
+        </p:txBody>
+      </p:sp>
+      <p:sp>
+        <p:nvSpPr>
+          <p:cNvPr id="4" name="Dian numeron paikkamerkki 3"/>
+          <p:cNvSpPr>
+            <a:spLocks noGrp="1"/>
+          </p:cNvSpPr>
+          <p:nvPr>
+            <p:ph type="sldNum" sz="quarter" idx="10"/>
+          </p:nvPr>
+        </p:nvSpPr>
+        <p:spPr/>
+        <p:txBody>
+          <a:bodyPr/>
+          <a:lstStyle/>
+          <a:p>
+            <a:fld id="{E5528748-6319-4C7B-AFEC-625845A24DF4}" type="slidenum">
+              <a:rPr lang="en-US" smtClean="0"/>
+              <a:t>6</a:t>
+            </a:fld>
+            <a:endParaRPr lang="en-US"/>
+          </a:p>
+        </p:txBody>
+      </p:sp>
+    </p:spTree>
+    <p:extLst>
+      <p:ext uri="{BB962C8B-B14F-4D97-AF65-F5344CB8AC3E}">
+        <p14:creationId xmlns:p14="http://schemas.microsoft.com/office/powerpoint/2010/main" val="2789486645"/>
       </p:ext>
     </p:extLst>
   </p:cSld>
@@ -614,7 +711,7 @@
           <a:noFill/>
           <a:extLst>
             <a:ext uri="{909E8E84-426E-40dd-AFC4-6F175D3DCCD1}">
-              <a14:hiddenFill xmlns:a14="http://schemas.microsoft.com/office/drawing/2010/main" xmlns="">
+              <a14:hiddenFill xmlns="" xmlns:a14="http://schemas.microsoft.com/office/drawing/2010/main">
                 <a:solidFill>
                   <a:srgbClr val="FFFFFF"/>
                 </a:solidFill>
@@ -674,7 +771,7 @@
             </a:ln>
             <a:extLst>
               <a:ext uri="{91240B29-F687-4f45-9708-019B960494DF}">
-                <a14:hiddenLine xmlns:a14="http://schemas.microsoft.com/office/drawing/2010/main" xmlns="" w="9525">
+                <a14:hiddenLine xmlns="" xmlns:a14="http://schemas.microsoft.com/office/drawing/2010/main" w="9525">
                   <a:solidFill>
                     <a:srgbClr val="000000"/>
                   </a:solidFill>
@@ -764,7 +861,7 @@
             </a:ln>
             <a:extLst>
               <a:ext uri="{91240B29-F687-4f45-9708-019B960494DF}">
-                <a14:hiddenLine xmlns:a14="http://schemas.microsoft.com/office/drawing/2010/main" xmlns="" w="9525">
+                <a14:hiddenLine xmlns="" xmlns:a14="http://schemas.microsoft.com/office/drawing/2010/main" w="9525">
                   <a:solidFill>
                     <a:srgbClr val="000000"/>
                   </a:solidFill>
@@ -854,7 +951,7 @@
             </a:ln>
             <a:extLst>
               <a:ext uri="{91240B29-F687-4f45-9708-019B960494DF}">
-                <a14:hiddenLine xmlns:a14="http://schemas.microsoft.com/office/drawing/2010/main" xmlns="" w="9525">
+                <a14:hiddenLine xmlns="" xmlns:a14="http://schemas.microsoft.com/office/drawing/2010/main" w="9525">
                   <a:solidFill>
                     <a:srgbClr val="000000"/>
                   </a:solidFill>
@@ -888,7 +985,7 @@
             </a:ln>
             <a:extLst>
               <a:ext uri="{91240B29-F687-4f45-9708-019B960494DF}">
-                <a14:hiddenLine xmlns:a14="http://schemas.microsoft.com/office/drawing/2010/main" xmlns="" w="9525">
+                <a14:hiddenLine xmlns="" xmlns:a14="http://schemas.microsoft.com/office/drawing/2010/main" w="9525">
                   <a:solidFill>
                     <a:srgbClr val="000000"/>
                   </a:solidFill>
@@ -978,7 +1075,7 @@
             </a:ln>
             <a:extLst>
               <a:ext uri="{91240B29-F687-4f45-9708-019B960494DF}">
-                <a14:hiddenLine xmlns:a14="http://schemas.microsoft.com/office/drawing/2010/main" xmlns="" w="9525">
+                <a14:hiddenLine xmlns="" xmlns:a14="http://schemas.microsoft.com/office/drawing/2010/main" w="9525">
                   <a:solidFill>
                     <a:srgbClr val="000000"/>
                   </a:solidFill>
@@ -1040,7 +1137,7 @@
             </a:ln>
             <a:extLst>
               <a:ext uri="{91240B29-F687-4f45-9708-019B960494DF}">
-                <a14:hiddenLine xmlns:a14="http://schemas.microsoft.com/office/drawing/2010/main" xmlns="" w="9525">
+                <a14:hiddenLine xmlns="" xmlns:a14="http://schemas.microsoft.com/office/drawing/2010/main" w="9525">
                   <a:solidFill>
                     <a:srgbClr val="000000"/>
                   </a:solidFill>
@@ -1102,7 +1199,7 @@
             </a:ln>
             <a:extLst>
               <a:ext uri="{91240B29-F687-4f45-9708-019B960494DF}">
-                <a14:hiddenLine xmlns:a14="http://schemas.microsoft.com/office/drawing/2010/main" xmlns="" w="9525">
+                <a14:hiddenLine xmlns="" xmlns:a14="http://schemas.microsoft.com/office/drawing/2010/main" w="9525">
                   <a:solidFill>
                     <a:srgbClr val="000000"/>
                   </a:solidFill>
@@ -1192,7 +1289,7 @@
             </a:ln>
             <a:extLst>
               <a:ext uri="{91240B29-F687-4f45-9708-019B960494DF}">
-                <a14:hiddenLine xmlns:a14="http://schemas.microsoft.com/office/drawing/2010/main" xmlns="" w="9525">
+                <a14:hiddenLine xmlns="" xmlns:a14="http://schemas.microsoft.com/office/drawing/2010/main" w="9525">
                   <a:solidFill>
                     <a:srgbClr val="000000"/>
                   </a:solidFill>
@@ -1254,7 +1351,7 @@
             </a:ln>
             <a:extLst>
               <a:ext uri="{91240B29-F687-4f45-9708-019B960494DF}">
-                <a14:hiddenLine xmlns:a14="http://schemas.microsoft.com/office/drawing/2010/main" xmlns="" w="9525">
+                <a14:hiddenLine xmlns="" xmlns:a14="http://schemas.microsoft.com/office/drawing/2010/main" w="9525">
                   <a:solidFill>
                     <a:srgbClr val="000000"/>
                   </a:solidFill>
@@ -1316,7 +1413,7 @@
             </a:ln>
             <a:extLst>
               <a:ext uri="{91240B29-F687-4f45-9708-019B960494DF}">
-                <a14:hiddenLine xmlns:a14="http://schemas.microsoft.com/office/drawing/2010/main" xmlns="" w="9525">
+                <a14:hiddenLine xmlns="" xmlns:a14="http://schemas.microsoft.com/office/drawing/2010/main" w="9525">
                   <a:solidFill>
                     <a:srgbClr val="000000"/>
                   </a:solidFill>
@@ -1406,7 +1503,7 @@
             </a:ln>
             <a:extLst>
               <a:ext uri="{91240B29-F687-4f45-9708-019B960494DF}">
-                <a14:hiddenLine xmlns:a14="http://schemas.microsoft.com/office/drawing/2010/main" xmlns="" w="9525">
+                <a14:hiddenLine xmlns="" xmlns:a14="http://schemas.microsoft.com/office/drawing/2010/main" w="9525">
                   <a:solidFill>
                     <a:srgbClr val="000000"/>
                   </a:solidFill>
@@ -1496,7 +1593,7 @@
             </a:ln>
             <a:extLst>
               <a:ext uri="{91240B29-F687-4f45-9708-019B960494DF}">
-                <a14:hiddenLine xmlns:a14="http://schemas.microsoft.com/office/drawing/2010/main" xmlns="" w="9525">
+                <a14:hiddenLine xmlns="" xmlns:a14="http://schemas.microsoft.com/office/drawing/2010/main" w="9525">
                   <a:solidFill>
                     <a:srgbClr val="000000"/>
                   </a:solidFill>
@@ -1558,7 +1655,7 @@
             </a:ln>
             <a:extLst>
               <a:ext uri="{91240B29-F687-4f45-9708-019B960494DF}">
-                <a14:hiddenLine xmlns:a14="http://schemas.microsoft.com/office/drawing/2010/main" xmlns="" w="9525">
+                <a14:hiddenLine xmlns="" xmlns:a14="http://schemas.microsoft.com/office/drawing/2010/main" w="9525">
                   <a:solidFill>
                     <a:srgbClr val="000000"/>
                   </a:solidFill>
@@ -1668,7 +1765,7 @@
             </a:ln>
             <a:extLst>
               <a:ext uri="{91240B29-F687-4f45-9708-019B960494DF}">
-                <a14:hiddenLine xmlns:a14="http://schemas.microsoft.com/office/drawing/2010/main" xmlns="" w="9525">
+                <a14:hiddenLine xmlns="" xmlns:a14="http://schemas.microsoft.com/office/drawing/2010/main" w="9525">
                   <a:solidFill>
                     <a:srgbClr val="000000"/>
                   </a:solidFill>
@@ -1730,7 +1827,7 @@
             </a:ln>
             <a:extLst>
               <a:ext uri="{91240B29-F687-4f45-9708-019B960494DF}">
-                <a14:hiddenLine xmlns:a14="http://schemas.microsoft.com/office/drawing/2010/main" xmlns="" w="9525">
+                <a14:hiddenLine xmlns="" xmlns:a14="http://schemas.microsoft.com/office/drawing/2010/main" w="9525">
                   <a:solidFill>
                     <a:srgbClr val="000000"/>
                   </a:solidFill>
@@ -1820,7 +1917,7 @@
             </a:ln>
             <a:extLst>
               <a:ext uri="{91240B29-F687-4f45-9708-019B960494DF}">
-                <a14:hiddenLine xmlns:a14="http://schemas.microsoft.com/office/drawing/2010/main" xmlns="" w="9525">
+                <a14:hiddenLine xmlns="" xmlns:a14="http://schemas.microsoft.com/office/drawing/2010/main" w="9525">
                   <a:solidFill>
                     <a:srgbClr val="000000"/>
                   </a:solidFill>
@@ -1910,7 +2007,7 @@
             </a:ln>
             <a:extLst>
               <a:ext uri="{91240B29-F687-4f45-9708-019B960494DF}">
-                <a14:hiddenLine xmlns:a14="http://schemas.microsoft.com/office/drawing/2010/main" xmlns="" w="9525">
+                <a14:hiddenLine xmlns="" xmlns:a14="http://schemas.microsoft.com/office/drawing/2010/main" w="9525">
                   <a:solidFill>
                     <a:srgbClr val="000000"/>
                   </a:solidFill>
@@ -1972,7 +2069,7 @@
             </a:ln>
             <a:extLst>
               <a:ext uri="{91240B29-F687-4f45-9708-019B960494DF}">
-                <a14:hiddenLine xmlns:a14="http://schemas.microsoft.com/office/drawing/2010/main" xmlns="" w="9525">
+                <a14:hiddenLine xmlns="" xmlns:a14="http://schemas.microsoft.com/office/drawing/2010/main" w="9525">
                   <a:solidFill>
                     <a:srgbClr val="000000"/>
                   </a:solidFill>
@@ -2062,7 +2159,7 @@
             </a:ln>
             <a:extLst>
               <a:ext uri="{91240B29-F687-4f45-9708-019B960494DF}">
-                <a14:hiddenLine xmlns:a14="http://schemas.microsoft.com/office/drawing/2010/main" xmlns="" w="9525">
+                <a14:hiddenLine xmlns="" xmlns:a14="http://schemas.microsoft.com/office/drawing/2010/main" w="9525">
                   <a:solidFill>
                     <a:srgbClr val="000000"/>
                   </a:solidFill>
@@ -2152,7 +2249,7 @@
             </a:ln>
             <a:extLst>
               <a:ext uri="{91240B29-F687-4f45-9708-019B960494DF}">
-                <a14:hiddenLine xmlns:a14="http://schemas.microsoft.com/office/drawing/2010/main" xmlns="" w="9525">
+                <a14:hiddenLine xmlns="" xmlns:a14="http://schemas.microsoft.com/office/drawing/2010/main" w="9525">
                   <a:solidFill>
                     <a:srgbClr val="000000"/>
                   </a:solidFill>
@@ -2208,7 +2305,7 @@
             </a:ln>
             <a:extLst>
               <a:ext uri="{91240B29-F687-4f45-9708-019B960494DF}">
-                <a14:hiddenLine xmlns:a14="http://schemas.microsoft.com/office/drawing/2010/main" xmlns="" w="9525">
+                <a14:hiddenLine xmlns="" xmlns:a14="http://schemas.microsoft.com/office/drawing/2010/main" w="9525">
                   <a:solidFill>
                     <a:srgbClr val="000000"/>
                   </a:solidFill>
@@ -2298,7 +2395,7 @@
             </a:ln>
             <a:extLst>
               <a:ext uri="{91240B29-F687-4f45-9708-019B960494DF}">
-                <a14:hiddenLine xmlns:a14="http://schemas.microsoft.com/office/drawing/2010/main" xmlns="" w="9525">
+                <a14:hiddenLine xmlns="" xmlns:a14="http://schemas.microsoft.com/office/drawing/2010/main" w="9525">
                   <a:solidFill>
                     <a:srgbClr val="000000"/>
                   </a:solidFill>
@@ -2354,7 +2451,7 @@
             </a:ln>
             <a:extLst>
               <a:ext uri="{91240B29-F687-4f45-9708-019B960494DF}">
-                <a14:hiddenLine xmlns:a14="http://schemas.microsoft.com/office/drawing/2010/main" xmlns="" w="9525">
+                <a14:hiddenLine xmlns="" xmlns:a14="http://schemas.microsoft.com/office/drawing/2010/main" w="9525">
                   <a:solidFill>
                     <a:srgbClr val="000000"/>
                   </a:solidFill>
@@ -2444,7 +2541,7 @@
             </a:ln>
             <a:extLst>
               <a:ext uri="{91240B29-F687-4f45-9708-019B960494DF}">
-                <a14:hiddenLine xmlns:a14="http://schemas.microsoft.com/office/drawing/2010/main" xmlns="" w="9525">
+                <a14:hiddenLine xmlns="" xmlns:a14="http://schemas.microsoft.com/office/drawing/2010/main" w="9525">
                   <a:solidFill>
                     <a:srgbClr val="000000"/>
                   </a:solidFill>
@@ -2512,7 +2609,7 @@
             </a:ln>
             <a:extLst>
               <a:ext uri="{91240B29-F687-4f45-9708-019B960494DF}">
-                <a14:hiddenLine xmlns:a14="http://schemas.microsoft.com/office/drawing/2010/main" xmlns="" w="9525">
+                <a14:hiddenLine xmlns="" xmlns:a14="http://schemas.microsoft.com/office/drawing/2010/main" w="9525">
                   <a:solidFill>
                     <a:srgbClr val="000000"/>
                   </a:solidFill>
@@ -2602,7 +2699,7 @@
             </a:ln>
             <a:extLst>
               <a:ext uri="{91240B29-F687-4f45-9708-019B960494DF}">
-                <a14:hiddenLine xmlns:a14="http://schemas.microsoft.com/office/drawing/2010/main" xmlns="" w="9525">
+                <a14:hiddenLine xmlns="" xmlns:a14="http://schemas.microsoft.com/office/drawing/2010/main" w="9525">
                   <a:solidFill>
                     <a:srgbClr val="000000"/>
                   </a:solidFill>
@@ -2670,7 +2767,7 @@
             </a:ln>
             <a:extLst>
               <a:ext uri="{91240B29-F687-4f45-9708-019B960494DF}">
-                <a14:hiddenLine xmlns:a14="http://schemas.microsoft.com/office/drawing/2010/main" xmlns="" w="9525">
+                <a14:hiddenLine xmlns="" xmlns:a14="http://schemas.microsoft.com/office/drawing/2010/main" w="9525">
                   <a:solidFill>
                     <a:srgbClr val="000000"/>
                   </a:solidFill>
@@ -2760,7 +2857,7 @@
             </a:ln>
             <a:extLst>
               <a:ext uri="{91240B29-F687-4f45-9708-019B960494DF}">
-                <a14:hiddenLine xmlns:a14="http://schemas.microsoft.com/office/drawing/2010/main" xmlns="" w="9525">
+                <a14:hiddenLine xmlns="" xmlns:a14="http://schemas.microsoft.com/office/drawing/2010/main" w="9525">
                   <a:solidFill>
                     <a:srgbClr val="000000"/>
                   </a:solidFill>
@@ -2794,7 +2891,7 @@
             </a:ln>
             <a:extLst>
               <a:ext uri="{91240B29-F687-4f45-9708-019B960494DF}">
-                <a14:hiddenLine xmlns:a14="http://schemas.microsoft.com/office/drawing/2010/main" xmlns="" w="9525">
+                <a14:hiddenLine xmlns="" xmlns:a14="http://schemas.microsoft.com/office/drawing/2010/main" w="9525">
                   <a:solidFill>
                     <a:srgbClr val="000000"/>
                   </a:solidFill>
@@ -2884,7 +2981,7 @@
             </a:ln>
             <a:extLst>
               <a:ext uri="{91240B29-F687-4f45-9708-019B960494DF}">
-                <a14:hiddenLine xmlns:a14="http://schemas.microsoft.com/office/drawing/2010/main" xmlns="" w="9525">
+                <a14:hiddenLine xmlns="" xmlns:a14="http://schemas.microsoft.com/office/drawing/2010/main" w="9525">
                   <a:solidFill>
                     <a:srgbClr val="000000"/>
                   </a:solidFill>
@@ -2946,7 +3043,7 @@
             </a:ln>
             <a:extLst>
               <a:ext uri="{91240B29-F687-4f45-9708-019B960494DF}">
-                <a14:hiddenLine xmlns:a14="http://schemas.microsoft.com/office/drawing/2010/main" xmlns="" w="9525">
+                <a14:hiddenLine xmlns="" xmlns:a14="http://schemas.microsoft.com/office/drawing/2010/main" w="9525">
                   <a:solidFill>
                     <a:srgbClr val="000000"/>
                   </a:solidFill>
@@ -3008,7 +3105,7 @@
             </a:ln>
             <a:extLst>
               <a:ext uri="{91240B29-F687-4f45-9708-019B960494DF}">
-                <a14:hiddenLine xmlns:a14="http://schemas.microsoft.com/office/drawing/2010/main" xmlns="" w="9525">
+                <a14:hiddenLine xmlns="" xmlns:a14="http://schemas.microsoft.com/office/drawing/2010/main" w="9525">
                   <a:solidFill>
                     <a:srgbClr val="000000"/>
                   </a:solidFill>
@@ -3098,7 +3195,7 @@
             </a:ln>
             <a:extLst>
               <a:ext uri="{91240B29-F687-4f45-9708-019B960494DF}">
-                <a14:hiddenLine xmlns:a14="http://schemas.microsoft.com/office/drawing/2010/main" xmlns="" w="9525">
+                <a14:hiddenLine xmlns="" xmlns:a14="http://schemas.microsoft.com/office/drawing/2010/main" w="9525">
                   <a:solidFill>
                     <a:srgbClr val="000000"/>
                   </a:solidFill>
@@ -3166,7 +3263,7 @@
             </a:ln>
             <a:extLst>
               <a:ext uri="{91240B29-F687-4f45-9708-019B960494DF}">
-                <a14:hiddenLine xmlns:a14="http://schemas.microsoft.com/office/drawing/2010/main" xmlns="" w="9525">
+                <a14:hiddenLine xmlns="" xmlns:a14="http://schemas.microsoft.com/office/drawing/2010/main" w="9525">
                   <a:solidFill>
                     <a:srgbClr val="000000"/>
                   </a:solidFill>
@@ -3228,7 +3325,7 @@
             </a:ln>
             <a:extLst>
               <a:ext uri="{91240B29-F687-4f45-9708-019B960494DF}">
-                <a14:hiddenLine xmlns:a14="http://schemas.microsoft.com/office/drawing/2010/main" xmlns="" w="9525">
+                <a14:hiddenLine xmlns="" xmlns:a14="http://schemas.microsoft.com/office/drawing/2010/main" w="9525">
                   <a:solidFill>
                     <a:srgbClr val="000000"/>
                   </a:solidFill>
@@ -3318,7 +3415,7 @@
             </a:ln>
             <a:extLst>
               <a:ext uri="{91240B29-F687-4f45-9708-019B960494DF}">
-                <a14:hiddenLine xmlns:a14="http://schemas.microsoft.com/office/drawing/2010/main" xmlns="" w="9525">
+                <a14:hiddenLine xmlns="" xmlns:a14="http://schemas.microsoft.com/office/drawing/2010/main" w="9525">
                   <a:solidFill>
                     <a:srgbClr val="000000"/>
                   </a:solidFill>
@@ -3380,7 +3477,7 @@
             </a:ln>
             <a:extLst>
               <a:ext uri="{91240B29-F687-4f45-9708-019B960494DF}">
-                <a14:hiddenLine xmlns:a14="http://schemas.microsoft.com/office/drawing/2010/main" xmlns="" w="9525">
+                <a14:hiddenLine xmlns="" xmlns:a14="http://schemas.microsoft.com/office/drawing/2010/main" w="9525">
                   <a:solidFill>
                     <a:srgbClr val="000000"/>
                   </a:solidFill>
@@ -3470,7 +3567,7 @@
             </a:ln>
             <a:extLst>
               <a:ext uri="{91240B29-F687-4f45-9708-019B960494DF}">
-                <a14:hiddenLine xmlns:a14="http://schemas.microsoft.com/office/drawing/2010/main" xmlns="" w="9525">
+                <a14:hiddenLine xmlns="" xmlns:a14="http://schemas.microsoft.com/office/drawing/2010/main" w="9525">
                   <a:solidFill>
                     <a:srgbClr val="000000"/>
                   </a:solidFill>
@@ -3532,7 +3629,7 @@
             </a:ln>
             <a:extLst>
               <a:ext uri="{91240B29-F687-4f45-9708-019B960494DF}">
-                <a14:hiddenLine xmlns:a14="http://schemas.microsoft.com/office/drawing/2010/main" xmlns="" w="9525">
+                <a14:hiddenLine xmlns="" xmlns:a14="http://schemas.microsoft.com/office/drawing/2010/main" w="9525">
                   <a:solidFill>
                     <a:srgbClr val="000000"/>
                   </a:solidFill>
@@ -3622,7 +3719,7 @@
             </a:ln>
             <a:extLst>
               <a:ext uri="{91240B29-F687-4f45-9708-019B960494DF}">
-                <a14:hiddenLine xmlns:a14="http://schemas.microsoft.com/office/drawing/2010/main" xmlns="" w="9525">
+                <a14:hiddenLine xmlns="" xmlns:a14="http://schemas.microsoft.com/office/drawing/2010/main" w="9525">
                   <a:solidFill>
                     <a:srgbClr val="000000"/>
                   </a:solidFill>
@@ -3656,7 +3753,7 @@
             </a:ln>
             <a:extLst>
               <a:ext uri="{91240B29-F687-4f45-9708-019B960494DF}">
-                <a14:hiddenLine xmlns:a14="http://schemas.microsoft.com/office/drawing/2010/main" xmlns="" w="9525">
+                <a14:hiddenLine xmlns="" xmlns:a14="http://schemas.microsoft.com/office/drawing/2010/main" w="9525">
                   <a:solidFill>
                     <a:srgbClr val="000000"/>
                   </a:solidFill>
@@ -3721,7 +3818,7 @@
             </a:ln>
             <a:extLst>
               <a:ext uri="{91240B29-F687-4f45-9708-019B960494DF}">
-                <a14:hiddenLine xmlns:a14="http://schemas.microsoft.com/office/drawing/2010/main" xmlns="" w="9525">
+                <a14:hiddenLine xmlns="" xmlns:a14="http://schemas.microsoft.com/office/drawing/2010/main" w="9525">
                   <a:solidFill>
                     <a:srgbClr val="000000"/>
                   </a:solidFill>
@@ -3811,7 +3908,7 @@
             </a:ln>
             <a:extLst>
               <a:ext uri="{91240B29-F687-4f45-9708-019B960494DF}">
-                <a14:hiddenLine xmlns:a14="http://schemas.microsoft.com/office/drawing/2010/main" xmlns="" w="9525">
+                <a14:hiddenLine xmlns="" xmlns:a14="http://schemas.microsoft.com/office/drawing/2010/main" w="9525">
                   <a:solidFill>
                     <a:srgbClr val="000000"/>
                   </a:solidFill>
@@ -3873,7 +3970,7 @@
             </a:ln>
             <a:extLst>
               <a:ext uri="{91240B29-F687-4f45-9708-019B960494DF}">
-                <a14:hiddenLine xmlns:a14="http://schemas.microsoft.com/office/drawing/2010/main" xmlns="" w="9525">
+                <a14:hiddenLine xmlns="" xmlns:a14="http://schemas.microsoft.com/office/drawing/2010/main" w="9525">
                   <a:solidFill>
                     <a:srgbClr val="000000"/>
                   </a:solidFill>
@@ -3963,7 +4060,7 @@
             </a:ln>
             <a:extLst>
               <a:ext uri="{91240B29-F687-4f45-9708-019B960494DF}">
-                <a14:hiddenLine xmlns:a14="http://schemas.microsoft.com/office/drawing/2010/main" xmlns="" w="9525">
+                <a14:hiddenLine xmlns="" xmlns:a14="http://schemas.microsoft.com/office/drawing/2010/main" w="9525">
                   <a:solidFill>
                     <a:srgbClr val="000000"/>
                   </a:solidFill>
@@ -4053,7 +4150,7 @@
             </a:ln>
             <a:extLst>
               <a:ext uri="{91240B29-F687-4f45-9708-019B960494DF}">
-                <a14:hiddenLine xmlns:a14="http://schemas.microsoft.com/office/drawing/2010/main" xmlns="" w="9525">
+                <a14:hiddenLine xmlns="" xmlns:a14="http://schemas.microsoft.com/office/drawing/2010/main" w="9525">
                   <a:solidFill>
                     <a:srgbClr val="000000"/>
                   </a:solidFill>
@@ -4118,7 +4215,7 @@
             </a:ln>
             <a:extLst>
               <a:ext uri="{91240B29-F687-4f45-9708-019B960494DF}">
-                <a14:hiddenLine xmlns:a14="http://schemas.microsoft.com/office/drawing/2010/main" xmlns="" w="9525">
+                <a14:hiddenLine xmlns="" xmlns:a14="http://schemas.microsoft.com/office/drawing/2010/main" w="9525">
                   <a:solidFill>
                     <a:srgbClr val="000000"/>
                   </a:solidFill>
@@ -4180,7 +4277,7 @@
             </a:ln>
             <a:extLst>
               <a:ext uri="{91240B29-F687-4f45-9708-019B960494DF}">
-                <a14:hiddenLine xmlns:a14="http://schemas.microsoft.com/office/drawing/2010/main" xmlns="" w="9525">
+                <a14:hiddenLine xmlns="" xmlns:a14="http://schemas.microsoft.com/office/drawing/2010/main" w="9525">
                   <a:solidFill>
                     <a:srgbClr val="000000"/>
                   </a:solidFill>
@@ -4270,7 +4367,7 @@
             </a:ln>
             <a:extLst>
               <a:ext uri="{91240B29-F687-4f45-9708-019B960494DF}">
-                <a14:hiddenLine xmlns:a14="http://schemas.microsoft.com/office/drawing/2010/main" xmlns="" w="9525">
+                <a14:hiddenLine xmlns="" xmlns:a14="http://schemas.microsoft.com/office/drawing/2010/main" w="9525">
                   <a:solidFill>
                     <a:srgbClr val="000000"/>
                   </a:solidFill>
@@ -4360,7 +4457,7 @@
             </a:ln>
             <a:extLst>
               <a:ext uri="{91240B29-F687-4f45-9708-019B960494DF}">
-                <a14:hiddenLine xmlns:a14="http://schemas.microsoft.com/office/drawing/2010/main" xmlns="" w="9525">
+                <a14:hiddenLine xmlns="" xmlns:a14="http://schemas.microsoft.com/office/drawing/2010/main" w="9525">
                   <a:solidFill>
                     <a:srgbClr val="000000"/>
                   </a:solidFill>
@@ -4422,7 +4519,7 @@
             </a:ln>
             <a:extLst>
               <a:ext uri="{91240B29-F687-4f45-9708-019B960494DF}">
-                <a14:hiddenLine xmlns:a14="http://schemas.microsoft.com/office/drawing/2010/main" xmlns="" w="9525">
+                <a14:hiddenLine xmlns="" xmlns:a14="http://schemas.microsoft.com/office/drawing/2010/main" w="9525">
                   <a:solidFill>
                     <a:srgbClr val="000000"/>
                   </a:solidFill>
@@ -4542,7 +4639,7 @@
             </a:ln>
             <a:extLst>
               <a:ext uri="{91240B29-F687-4f45-9708-019B960494DF}">
-                <a14:hiddenLine xmlns:a14="http://schemas.microsoft.com/office/drawing/2010/main" xmlns="" w="9525">
+                <a14:hiddenLine xmlns="" xmlns:a14="http://schemas.microsoft.com/office/drawing/2010/main" w="9525">
                   <a:solidFill>
                     <a:srgbClr val="000000"/>
                   </a:solidFill>
@@ -4610,7 +4707,7 @@
             </a:ln>
             <a:extLst>
               <a:ext uri="{91240B29-F687-4f45-9708-019B960494DF}">
-                <a14:hiddenLine xmlns:a14="http://schemas.microsoft.com/office/drawing/2010/main" xmlns="" w="9525">
+                <a14:hiddenLine xmlns="" xmlns:a14="http://schemas.microsoft.com/office/drawing/2010/main" w="9525">
                   <a:solidFill>
                     <a:srgbClr val="000000"/>
                   </a:solidFill>
@@ -4700,7 +4797,7 @@
             </a:ln>
             <a:extLst>
               <a:ext uri="{91240B29-F687-4f45-9708-019B960494DF}">
-                <a14:hiddenLine xmlns:a14="http://schemas.microsoft.com/office/drawing/2010/main" xmlns="" w="9525">
+                <a14:hiddenLine xmlns="" xmlns:a14="http://schemas.microsoft.com/office/drawing/2010/main" w="9525">
                   <a:solidFill>
                     <a:srgbClr val="000000"/>
                   </a:solidFill>
@@ -4840,7 +4937,7 @@
           <a:p>
             <a:fld id="{48A87A34-81AB-432B-8DAE-1953F412C126}" type="datetimeFigureOut">
               <a:rPr lang="en-US" dirty="0"/>
-              <a:t>2/14/2018</a:t>
+              <a:t>3/1/2018</a:t>
             </a:fld>
             <a:endParaRPr lang="en-US"/>
           </a:p>
@@ -5102,7 +5199,7 @@
           <a:p>
             <a:fld id="{48A87A34-81AB-432B-8DAE-1953F412C126}" type="datetimeFigureOut">
               <a:rPr lang="en-US" dirty="0"/>
-              <a:t>2/14/2018</a:t>
+              <a:t>3/1/2018</a:t>
             </a:fld>
             <a:endParaRPr lang="en-US"/>
           </a:p>
@@ -5293,7 +5390,7 @@
           <a:p>
             <a:fld id="{48A87A34-81AB-432B-8DAE-1953F412C126}" type="datetimeFigureOut">
               <a:rPr lang="en-US" dirty="0"/>
-              <a:t>2/14/2018</a:t>
+              <a:t>3/1/2018</a:t>
             </a:fld>
             <a:endParaRPr lang="en-US"/>
           </a:p>
@@ -5551,7 +5648,7 @@
           <a:p>
             <a:fld id="{48A87A34-81AB-432B-8DAE-1953F412C126}" type="datetimeFigureOut">
               <a:rPr lang="en-US" dirty="0"/>
-              <a:t>2/14/2018</a:t>
+              <a:t>3/1/2018</a:t>
             </a:fld>
             <a:endParaRPr lang="en-US"/>
           </a:p>
@@ -5980,7 +6077,7 @@
           <a:p>
             <a:fld id="{48A87A34-81AB-432B-8DAE-1953F412C126}" type="datetimeFigureOut">
               <a:rPr lang="en-US" dirty="0"/>
-              <a:t>2/14/2018</a:t>
+              <a:t>3/1/2018</a:t>
             </a:fld>
             <a:endParaRPr lang="en-US"/>
           </a:p>
@@ -6521,7 +6618,7 @@
           <a:p>
             <a:fld id="{48A87A34-81AB-432B-8DAE-1953F412C126}" type="datetimeFigureOut">
               <a:rPr lang="en-US" dirty="0"/>
-              <a:t>2/14/2018</a:t>
+              <a:t>3/1/2018</a:t>
             </a:fld>
             <a:endParaRPr lang="en-US"/>
           </a:p>
@@ -7236,7 +7333,7 @@
           <a:p>
             <a:fld id="{48A87A34-81AB-432B-8DAE-1953F412C126}" type="datetimeFigureOut">
               <a:rPr lang="en-US" dirty="0"/>
-              <a:t>2/14/2018</a:t>
+              <a:t>3/1/2018</a:t>
             </a:fld>
             <a:endParaRPr lang="en-US"/>
           </a:p>
@@ -7401,7 +7498,7 @@
           <a:p>
             <a:fld id="{48A87A34-81AB-432B-8DAE-1953F412C126}" type="datetimeFigureOut">
               <a:rPr lang="en-US" dirty="0"/>
-              <a:t>2/14/2018</a:t>
+              <a:t>3/1/2018</a:t>
             </a:fld>
             <a:endParaRPr lang="en-US"/>
           </a:p>
@@ -7576,7 +7673,7 @@
           <a:p>
             <a:fld id="{48A87A34-81AB-432B-8DAE-1953F412C126}" type="datetimeFigureOut">
               <a:rPr lang="en-US" dirty="0"/>
-              <a:t>2/14/2018</a:t>
+              <a:t>3/1/2018</a:t>
             </a:fld>
             <a:endParaRPr lang="en-US"/>
           </a:p>
@@ -7741,7 +7838,7 @@
           <a:p>
             <a:fld id="{48A87A34-81AB-432B-8DAE-1953F412C126}" type="datetimeFigureOut">
               <a:rPr lang="en-US" dirty="0"/>
-              <a:t>2/14/2018</a:t>
+              <a:t>3/1/2018</a:t>
             </a:fld>
             <a:endParaRPr lang="en-US"/>
           </a:p>
@@ -7986,7 +8083,7 @@
           <a:p>
             <a:fld id="{48A87A34-81AB-432B-8DAE-1953F412C126}" type="datetimeFigureOut">
               <a:rPr lang="en-US" dirty="0"/>
-              <a:t>2/14/2018</a:t>
+              <a:t>3/1/2018</a:t>
             </a:fld>
             <a:endParaRPr lang="en-US"/>
           </a:p>
@@ -8213,7 +8310,7 @@
           <a:p>
             <a:fld id="{48A87A34-81AB-432B-8DAE-1953F412C126}" type="datetimeFigureOut">
               <a:rPr lang="en-US" dirty="0"/>
-              <a:t>2/14/2018</a:t>
+              <a:t>3/1/2018</a:t>
             </a:fld>
             <a:endParaRPr lang="en-US"/>
           </a:p>
@@ -8589,7 +8686,7 @@
           <a:p>
             <a:fld id="{48A87A34-81AB-432B-8DAE-1953F412C126}" type="datetimeFigureOut">
               <a:rPr lang="en-US" dirty="0"/>
-              <a:t>2/14/2018</a:t>
+              <a:t>3/1/2018</a:t>
             </a:fld>
             <a:endParaRPr lang="en-US"/>
           </a:p>
@@ -8702,7 +8799,7 @@
           <a:p>
             <a:fld id="{48A87A34-81AB-432B-8DAE-1953F412C126}" type="datetimeFigureOut">
               <a:rPr lang="en-US" dirty="0"/>
-              <a:t>2/14/2018</a:t>
+              <a:t>3/1/2018</a:t>
             </a:fld>
             <a:endParaRPr lang="en-US"/>
           </a:p>
@@ -8792,7 +8889,7 @@
           <a:p>
             <a:fld id="{48A87A34-81AB-432B-8DAE-1953F412C126}" type="datetimeFigureOut">
               <a:rPr lang="en-US" dirty="0"/>
-              <a:t>2/14/2018</a:t>
+              <a:t>3/1/2018</a:t>
             </a:fld>
             <a:endParaRPr lang="en-US"/>
           </a:p>
@@ -9036,7 +9133,7 @@
           <a:p>
             <a:fld id="{48A87A34-81AB-432B-8DAE-1953F412C126}" type="datetimeFigureOut">
               <a:rPr lang="en-US" dirty="0"/>
-              <a:t>2/14/2018</a:t>
+              <a:t>3/1/2018</a:t>
             </a:fld>
             <a:endParaRPr lang="en-US"/>
           </a:p>
@@ -9311,7 +9408,7 @@
           <a:p>
             <a:fld id="{48A87A34-81AB-432B-8DAE-1953F412C126}" type="datetimeFigureOut">
               <a:rPr lang="en-US" dirty="0"/>
-              <a:t>2/14/2018</a:t>
+              <a:t>3/1/2018</a:t>
             </a:fld>
             <a:endParaRPr lang="en-US"/>
           </a:p>
@@ -9422,7 +9519,7 @@
           <a:noFill/>
           <a:extLst>
             <a:ext uri="{909E8E84-426E-40dd-AFC4-6F175D3DCCD1}">
-              <a14:hiddenFill xmlns:a14="http://schemas.microsoft.com/office/drawing/2010/main" xmlns="">
+              <a14:hiddenFill xmlns="" xmlns:a14="http://schemas.microsoft.com/office/drawing/2010/main">
                 <a:solidFill>
                   <a:srgbClr val="FFFFFF"/>
                 </a:solidFill>
@@ -9496,7 +9593,7 @@
               </a:ln>
               <a:extLst>
                 <a:ext uri="{91240B29-F687-4f45-9708-019B960494DF}">
-                  <a14:hiddenLine xmlns:a14="http://schemas.microsoft.com/office/drawing/2010/main" xmlns="" w="9525">
+                  <a14:hiddenLine xmlns="" xmlns:a14="http://schemas.microsoft.com/office/drawing/2010/main" w="9525">
                     <a:solidFill>
                       <a:srgbClr val="000000"/>
                     </a:solidFill>
@@ -9586,7 +9683,7 @@
               </a:ln>
               <a:extLst>
                 <a:ext uri="{91240B29-F687-4f45-9708-019B960494DF}">
-                  <a14:hiddenLine xmlns:a14="http://schemas.microsoft.com/office/drawing/2010/main" xmlns="" w="9525">
+                  <a14:hiddenLine xmlns="" xmlns:a14="http://schemas.microsoft.com/office/drawing/2010/main" w="9525">
                     <a:solidFill>
                       <a:srgbClr val="000000"/>
                     </a:solidFill>
@@ -9676,7 +9773,7 @@
               </a:ln>
               <a:extLst>
                 <a:ext uri="{91240B29-F687-4f45-9708-019B960494DF}">
-                  <a14:hiddenLine xmlns:a14="http://schemas.microsoft.com/office/drawing/2010/main" xmlns="" w="9525">
+                  <a14:hiddenLine xmlns="" xmlns:a14="http://schemas.microsoft.com/office/drawing/2010/main" w="9525">
                     <a:solidFill>
                       <a:srgbClr val="000000"/>
                     </a:solidFill>
@@ -9738,7 +9835,7 @@
               </a:ln>
               <a:extLst>
                 <a:ext uri="{91240B29-F687-4f45-9708-019B960494DF}">
-                  <a14:hiddenLine xmlns:a14="http://schemas.microsoft.com/office/drawing/2010/main" xmlns="" w="9525">
+                  <a14:hiddenLine xmlns="" xmlns:a14="http://schemas.microsoft.com/office/drawing/2010/main" w="9525">
                     <a:solidFill>
                       <a:srgbClr val="000000"/>
                     </a:solidFill>
@@ -9828,7 +9925,7 @@
               </a:ln>
               <a:extLst>
                 <a:ext uri="{91240B29-F687-4f45-9708-019B960494DF}">
-                  <a14:hiddenLine xmlns:a14="http://schemas.microsoft.com/office/drawing/2010/main" xmlns="" w="9525">
+                  <a14:hiddenLine xmlns="" xmlns:a14="http://schemas.microsoft.com/office/drawing/2010/main" w="9525">
                     <a:solidFill>
                       <a:srgbClr val="000000"/>
                     </a:solidFill>
@@ -9890,7 +9987,7 @@
               </a:ln>
               <a:extLst>
                 <a:ext uri="{91240B29-F687-4f45-9708-019B960494DF}">
-                  <a14:hiddenLine xmlns:a14="http://schemas.microsoft.com/office/drawing/2010/main" xmlns="" w="9525">
+                  <a14:hiddenLine xmlns="" xmlns:a14="http://schemas.microsoft.com/office/drawing/2010/main" w="9525">
                     <a:solidFill>
                       <a:srgbClr val="000000"/>
                     </a:solidFill>
@@ -9952,7 +10049,7 @@
               </a:ln>
               <a:extLst>
                 <a:ext uri="{91240B29-F687-4f45-9708-019B960494DF}">
-                  <a14:hiddenLine xmlns:a14="http://schemas.microsoft.com/office/drawing/2010/main" xmlns="" w="9525">
+                  <a14:hiddenLine xmlns="" xmlns:a14="http://schemas.microsoft.com/office/drawing/2010/main" w="9525">
                     <a:solidFill>
                       <a:srgbClr val="000000"/>
                     </a:solidFill>
@@ -10042,7 +10139,7 @@
               </a:ln>
               <a:extLst>
                 <a:ext uri="{91240B29-F687-4f45-9708-019B960494DF}">
-                  <a14:hiddenLine xmlns:a14="http://schemas.microsoft.com/office/drawing/2010/main" xmlns="" w="9525">
+                  <a14:hiddenLine xmlns="" xmlns:a14="http://schemas.microsoft.com/office/drawing/2010/main" w="9525">
                     <a:solidFill>
                       <a:srgbClr val="000000"/>
                     </a:solidFill>
@@ -10132,7 +10229,7 @@
               </a:ln>
               <a:extLst>
                 <a:ext uri="{91240B29-F687-4f45-9708-019B960494DF}">
-                  <a14:hiddenLine xmlns:a14="http://schemas.microsoft.com/office/drawing/2010/main" xmlns="" w="9525">
+                  <a14:hiddenLine xmlns="" xmlns:a14="http://schemas.microsoft.com/office/drawing/2010/main" w="9525">
                     <a:solidFill>
                       <a:srgbClr val="000000"/>
                     </a:solidFill>
@@ -10194,7 +10291,7 @@
               </a:ln>
               <a:extLst>
                 <a:ext uri="{91240B29-F687-4f45-9708-019B960494DF}">
-                  <a14:hiddenLine xmlns:a14="http://schemas.microsoft.com/office/drawing/2010/main" xmlns="" w="9525">
+                  <a14:hiddenLine xmlns="" xmlns:a14="http://schemas.microsoft.com/office/drawing/2010/main" w="9525">
                     <a:solidFill>
                       <a:srgbClr val="000000"/>
                     </a:solidFill>
@@ -10304,7 +10401,7 @@
               </a:ln>
               <a:extLst>
                 <a:ext uri="{91240B29-F687-4f45-9708-019B960494DF}">
-                  <a14:hiddenLine xmlns:a14="http://schemas.microsoft.com/office/drawing/2010/main" xmlns="" w="9525">
+                  <a14:hiddenLine xmlns="" xmlns:a14="http://schemas.microsoft.com/office/drawing/2010/main" w="9525">
                     <a:solidFill>
                       <a:srgbClr val="000000"/>
                     </a:solidFill>
@@ -10388,7 +10485,7 @@
               </a:ln>
               <a:extLst>
                 <a:ext uri="{91240B29-F687-4f45-9708-019B960494DF}">
-                  <a14:hiddenLine xmlns:a14="http://schemas.microsoft.com/office/drawing/2010/main" xmlns="" w="9525">
+                  <a14:hiddenLine xmlns="" xmlns:a14="http://schemas.microsoft.com/office/drawing/2010/main" w="9525">
                     <a:solidFill>
                       <a:srgbClr val="000000"/>
                     </a:solidFill>
@@ -10450,7 +10547,7 @@
               </a:ln>
               <a:extLst>
                 <a:ext uri="{91240B29-F687-4f45-9708-019B960494DF}">
-                  <a14:hiddenLine xmlns:a14="http://schemas.microsoft.com/office/drawing/2010/main" xmlns="" w="9525">
+                  <a14:hiddenLine xmlns="" xmlns:a14="http://schemas.microsoft.com/office/drawing/2010/main" w="9525">
                     <a:solidFill>
                       <a:srgbClr val="000000"/>
                     </a:solidFill>
@@ -10512,7 +10609,7 @@
               </a:ln>
               <a:extLst>
                 <a:ext uri="{91240B29-F687-4f45-9708-019B960494DF}">
-                  <a14:hiddenLine xmlns:a14="http://schemas.microsoft.com/office/drawing/2010/main" xmlns="" w="9525">
+                  <a14:hiddenLine xmlns="" xmlns:a14="http://schemas.microsoft.com/office/drawing/2010/main" w="9525">
                     <a:solidFill>
                       <a:srgbClr val="000000"/>
                     </a:solidFill>
@@ -10602,7 +10699,7 @@
               </a:ln>
               <a:extLst>
                 <a:ext uri="{91240B29-F687-4f45-9708-019B960494DF}">
-                  <a14:hiddenLine xmlns:a14="http://schemas.microsoft.com/office/drawing/2010/main" xmlns="" w="9525">
+                  <a14:hiddenLine xmlns="" xmlns:a14="http://schemas.microsoft.com/office/drawing/2010/main" w="9525">
                     <a:solidFill>
                       <a:srgbClr val="000000"/>
                     </a:solidFill>
@@ -10636,7 +10733,7 @@
               </a:ln>
               <a:extLst>
                 <a:ext uri="{91240B29-F687-4f45-9708-019B960494DF}">
-                  <a14:hiddenLine xmlns:a14="http://schemas.microsoft.com/office/drawing/2010/main" xmlns="" w="9525">
+                  <a14:hiddenLine xmlns="" xmlns:a14="http://schemas.microsoft.com/office/drawing/2010/main" w="9525">
                     <a:solidFill>
                       <a:srgbClr val="000000"/>
                     </a:solidFill>
@@ -10701,7 +10798,7 @@
               </a:ln>
               <a:extLst>
                 <a:ext uri="{91240B29-F687-4f45-9708-019B960494DF}">
-                  <a14:hiddenLine xmlns:a14="http://schemas.microsoft.com/office/drawing/2010/main" xmlns="" w="9525">
+                  <a14:hiddenLine xmlns="" xmlns:a14="http://schemas.microsoft.com/office/drawing/2010/main" w="9525">
                     <a:solidFill>
                       <a:srgbClr val="000000"/>
                     </a:solidFill>
@@ -10791,7 +10888,7 @@
               </a:ln>
               <a:extLst>
                 <a:ext uri="{91240B29-F687-4f45-9708-019B960494DF}">
-                  <a14:hiddenLine xmlns:a14="http://schemas.microsoft.com/office/drawing/2010/main" xmlns="" w="9525">
+                  <a14:hiddenLine xmlns="" xmlns:a14="http://schemas.microsoft.com/office/drawing/2010/main" w="9525">
                     <a:solidFill>
                       <a:srgbClr val="000000"/>
                     </a:solidFill>
@@ -10853,7 +10950,7 @@
               </a:ln>
               <a:extLst>
                 <a:ext uri="{91240B29-F687-4f45-9708-019B960494DF}">
-                  <a14:hiddenLine xmlns:a14="http://schemas.microsoft.com/office/drawing/2010/main" xmlns="" w="9525">
+                  <a14:hiddenLine xmlns="" xmlns:a14="http://schemas.microsoft.com/office/drawing/2010/main" w="9525">
                     <a:solidFill>
                       <a:srgbClr val="000000"/>
                     </a:solidFill>
@@ -10943,7 +11040,7 @@
               </a:ln>
               <a:extLst>
                 <a:ext uri="{91240B29-F687-4f45-9708-019B960494DF}">
-                  <a14:hiddenLine xmlns:a14="http://schemas.microsoft.com/office/drawing/2010/main" xmlns="" w="9525">
+                  <a14:hiddenLine xmlns="" xmlns:a14="http://schemas.microsoft.com/office/drawing/2010/main" w="9525">
                     <a:solidFill>
                       <a:srgbClr val="000000"/>
                     </a:solidFill>
@@ -11008,7 +11105,7 @@
               </a:ln>
               <a:extLst>
                 <a:ext uri="{91240B29-F687-4f45-9708-019B960494DF}">
-                  <a14:hiddenLine xmlns:a14="http://schemas.microsoft.com/office/drawing/2010/main" xmlns="" w="9525">
+                  <a14:hiddenLine xmlns="" xmlns:a14="http://schemas.microsoft.com/office/drawing/2010/main" w="9525">
                     <a:solidFill>
                       <a:srgbClr val="000000"/>
                     </a:solidFill>
@@ -11070,7 +11167,7 @@
               </a:ln>
               <a:extLst>
                 <a:ext uri="{91240B29-F687-4f45-9708-019B960494DF}">
-                  <a14:hiddenLine xmlns:a14="http://schemas.microsoft.com/office/drawing/2010/main" xmlns="" w="9525">
+                  <a14:hiddenLine xmlns="" xmlns:a14="http://schemas.microsoft.com/office/drawing/2010/main" w="9525">
                     <a:solidFill>
                       <a:srgbClr val="000000"/>
                     </a:solidFill>
@@ -11160,7 +11257,7 @@
               </a:ln>
               <a:extLst>
                 <a:ext uri="{91240B29-F687-4f45-9708-019B960494DF}">
-                  <a14:hiddenLine xmlns:a14="http://schemas.microsoft.com/office/drawing/2010/main" xmlns="" w="9525">
+                  <a14:hiddenLine xmlns="" xmlns:a14="http://schemas.microsoft.com/office/drawing/2010/main" w="9525">
                     <a:solidFill>
                       <a:srgbClr val="000000"/>
                     </a:solidFill>
@@ -11250,7 +11347,7 @@
               </a:ln>
               <a:extLst>
                 <a:ext uri="{91240B29-F687-4f45-9708-019B960494DF}">
-                  <a14:hiddenLine xmlns:a14="http://schemas.microsoft.com/office/drawing/2010/main" xmlns="" w="9525">
+                  <a14:hiddenLine xmlns="" xmlns:a14="http://schemas.microsoft.com/office/drawing/2010/main" w="9525">
                     <a:solidFill>
                       <a:srgbClr val="000000"/>
                     </a:solidFill>
@@ -11315,7 +11412,7 @@
               </a:ln>
               <a:extLst>
                 <a:ext uri="{91240B29-F687-4f45-9708-019B960494DF}">
-                  <a14:hiddenLine xmlns:a14="http://schemas.microsoft.com/office/drawing/2010/main" xmlns="" w="9525">
+                  <a14:hiddenLine xmlns="" xmlns:a14="http://schemas.microsoft.com/office/drawing/2010/main" w="9525">
                     <a:solidFill>
                       <a:srgbClr val="000000"/>
                     </a:solidFill>
@@ -11435,7 +11532,7 @@
               </a:ln>
               <a:extLst>
                 <a:ext uri="{91240B29-F687-4f45-9708-019B960494DF}">
-                  <a14:hiddenLine xmlns:a14="http://schemas.microsoft.com/office/drawing/2010/main" xmlns="" w="9525">
+                  <a14:hiddenLine xmlns="" xmlns:a14="http://schemas.microsoft.com/office/drawing/2010/main" w="9525">
                     <a:solidFill>
                       <a:srgbClr val="000000"/>
                     </a:solidFill>
@@ -11533,7 +11630,7 @@
               </a:ln>
               <a:extLst>
                 <a:ext uri="{91240B29-F687-4f45-9708-019B960494DF}">
-                  <a14:hiddenLine xmlns:a14="http://schemas.microsoft.com/office/drawing/2010/main" xmlns="" w="9525">
+                  <a14:hiddenLine xmlns="" xmlns:a14="http://schemas.microsoft.com/office/drawing/2010/main" w="9525">
                     <a:solidFill>
                       <a:srgbClr val="000000"/>
                     </a:solidFill>
@@ -11648,7 +11745,7 @@
               </a:ln>
               <a:extLst>
                 <a:ext uri="{91240B29-F687-4f45-9708-019B960494DF}">
-                  <a14:hiddenLine xmlns:a14="http://schemas.microsoft.com/office/drawing/2010/main" xmlns="" w="9525">
+                  <a14:hiddenLine xmlns="" xmlns:a14="http://schemas.microsoft.com/office/drawing/2010/main" w="9525">
                     <a:solidFill>
                       <a:srgbClr val="000000"/>
                     </a:solidFill>
@@ -11738,7 +11835,7 @@
               </a:ln>
               <a:extLst>
                 <a:ext uri="{91240B29-F687-4f45-9708-019B960494DF}">
-                  <a14:hiddenLine xmlns:a14="http://schemas.microsoft.com/office/drawing/2010/main" xmlns="" w="9525">
+                  <a14:hiddenLine xmlns="" xmlns:a14="http://schemas.microsoft.com/office/drawing/2010/main" w="9525">
                     <a:solidFill>
                       <a:srgbClr val="000000"/>
                     </a:solidFill>
@@ -11803,7 +11900,7 @@
               </a:ln>
               <a:extLst>
                 <a:ext uri="{91240B29-F687-4f45-9708-019B960494DF}">
-                  <a14:hiddenLine xmlns:a14="http://schemas.microsoft.com/office/drawing/2010/main" xmlns="" w="9525">
+                  <a14:hiddenLine xmlns="" xmlns:a14="http://schemas.microsoft.com/office/drawing/2010/main" w="9525">
                     <a:solidFill>
                       <a:srgbClr val="000000"/>
                     </a:solidFill>
@@ -11893,7 +11990,7 @@
               </a:ln>
               <a:extLst>
                 <a:ext uri="{91240B29-F687-4f45-9708-019B960494DF}">
-                  <a14:hiddenLine xmlns:a14="http://schemas.microsoft.com/office/drawing/2010/main" xmlns="" w="9525">
+                  <a14:hiddenLine xmlns="" xmlns:a14="http://schemas.microsoft.com/office/drawing/2010/main" w="9525">
                     <a:solidFill>
                       <a:srgbClr val="000000"/>
                     </a:solidFill>
@@ -11961,7 +12058,7 @@
               </a:ln>
               <a:extLst>
                 <a:ext uri="{91240B29-F687-4f45-9708-019B960494DF}">
-                  <a14:hiddenLine xmlns:a14="http://schemas.microsoft.com/office/drawing/2010/main" xmlns="" w="9525">
+                  <a14:hiddenLine xmlns="" xmlns:a14="http://schemas.microsoft.com/office/drawing/2010/main" w="9525">
                     <a:solidFill>
                       <a:srgbClr val="000000"/>
                     </a:solidFill>
@@ -12051,7 +12148,7 @@
               </a:ln>
               <a:extLst>
                 <a:ext uri="{91240B29-F687-4f45-9708-019B960494DF}">
-                  <a14:hiddenLine xmlns:a14="http://schemas.microsoft.com/office/drawing/2010/main" xmlns="" w="9525">
+                  <a14:hiddenLine xmlns="" xmlns:a14="http://schemas.microsoft.com/office/drawing/2010/main" w="9525">
                     <a:solidFill>
                       <a:srgbClr val="000000"/>
                     </a:solidFill>
@@ -12119,7 +12216,7 @@
               </a:ln>
               <a:extLst>
                 <a:ext uri="{91240B29-F687-4f45-9708-019B960494DF}">
-                  <a14:hiddenLine xmlns:a14="http://schemas.microsoft.com/office/drawing/2010/main" xmlns="" w="9525">
+                  <a14:hiddenLine xmlns="" xmlns:a14="http://schemas.microsoft.com/office/drawing/2010/main" w="9525">
                     <a:solidFill>
                       <a:srgbClr val="000000"/>
                     </a:solidFill>
@@ -12209,7 +12306,7 @@
               </a:ln>
               <a:extLst>
                 <a:ext uri="{91240B29-F687-4f45-9708-019B960494DF}">
-                  <a14:hiddenLine xmlns:a14="http://schemas.microsoft.com/office/drawing/2010/main" xmlns="" w="9525">
+                  <a14:hiddenLine xmlns="" xmlns:a14="http://schemas.microsoft.com/office/drawing/2010/main" w="9525">
                     <a:solidFill>
                       <a:srgbClr val="000000"/>
                     </a:solidFill>
@@ -12243,7 +12340,7 @@
               </a:ln>
               <a:extLst>
                 <a:ext uri="{91240B29-F687-4f45-9708-019B960494DF}">
-                  <a14:hiddenLine xmlns:a14="http://schemas.microsoft.com/office/drawing/2010/main" xmlns="" w="9525">
+                  <a14:hiddenLine xmlns="" xmlns:a14="http://schemas.microsoft.com/office/drawing/2010/main" w="9525">
                     <a:solidFill>
                       <a:srgbClr val="000000"/>
                     </a:solidFill>
@@ -12384,7 +12481,7 @@
             <a:fld id="{48A87A34-81AB-432B-8DAE-1953F412C126}" type="datetimeFigureOut">
               <a:rPr lang="en-US" dirty="0"/>
               <a:pPr/>
-              <a:t>2/14/2018</a:t>
+              <a:t>3/1/2018</a:t>
             </a:fld>
             <a:endParaRPr lang="en-US"/>
           </a:p>
@@ -13067,7 +13164,12 @@
             <p:ph type="title"/>
           </p:nvPr>
         </p:nvSpPr>
-        <p:spPr/>
+        <p:spPr>
+          <a:xfrm>
+            <a:off x="1141412" y="0"/>
+            <a:ext cx="11050588" cy="1478570"/>
+          </a:xfrm>
+        </p:spPr>
         <p:txBody>
           <a:bodyPr/>
           <a:lstStyle/>
@@ -13194,6 +13296,176 @@
       </p:grpSpPr>
       <p:sp>
         <p:nvSpPr>
+          <p:cNvPr id="12" name="Suorakulmio 11">
+            <a:extLst>
+              <a:ext uri="{FF2B5EF4-FFF2-40B4-BE49-F238E27FC236}">
+                <a16:creationId xmlns:a16="http://schemas.microsoft.com/office/drawing/2014/main" id="{AA20D984-E85B-470B-9766-2EF8695A3891}"/>
+              </a:ext>
+            </a:extLst>
+          </p:cNvPr>
+          <p:cNvSpPr/>
+          <p:nvPr/>
+        </p:nvSpPr>
+        <p:spPr>
+          <a:xfrm>
+            <a:off x="731519" y="285135"/>
+            <a:ext cx="10700825" cy="5999759"/>
+          </a:xfrm>
+          <a:prstGeom prst="rect">
+            <a:avLst/>
+          </a:prstGeom>
+          <a:solidFill>
+            <a:srgbClr val="3C4FDE">
+              <a:alpha val="20000"/>
+            </a:srgbClr>
+          </a:solidFill>
+        </p:spPr>
+        <p:style>
+          <a:lnRef idx="2">
+            <a:schemeClr val="accent1">
+              <a:shade val="50000"/>
+            </a:schemeClr>
+          </a:lnRef>
+          <a:fillRef idx="1">
+            <a:schemeClr val="accent1"/>
+          </a:fillRef>
+          <a:effectRef idx="0">
+            <a:schemeClr val="accent1"/>
+          </a:effectRef>
+          <a:fontRef idx="minor">
+            <a:schemeClr val="lt1"/>
+          </a:fontRef>
+        </p:style>
+        <p:txBody>
+          <a:bodyPr rtlCol="0" anchor="ctr"/>
+          <a:lstStyle/>
+          <a:p>
+            <a:pPr algn="ctr"/>
+            <a:endParaRPr lang="en-US"/>
+          </a:p>
+        </p:txBody>
+      </p:sp>
+      <p:pic>
+        <p:nvPicPr>
+          <p:cNvPr id="6" name="Kuva 5">
+            <a:extLst>
+              <a:ext uri="{FF2B5EF4-FFF2-40B4-BE49-F238E27FC236}">
+                <a16:creationId xmlns:a16="http://schemas.microsoft.com/office/drawing/2014/main" id="{20199BCD-6603-4E8D-8F95-9E0200535821}"/>
+              </a:ext>
+            </a:extLst>
+          </p:cNvPr>
+          <p:cNvPicPr>
+            <a:picLocks noChangeAspect="1"/>
+          </p:cNvPicPr>
+          <p:nvPr/>
+        </p:nvPicPr>
+        <p:blipFill>
+          <a:blip r:embed="rId2"/>
+          <a:stretch>
+            <a:fillRect/>
+          </a:stretch>
+        </p:blipFill>
+        <p:spPr>
+          <a:xfrm>
+            <a:off x="759655" y="664028"/>
+            <a:ext cx="10717612" cy="5435482"/>
+          </a:xfrm>
+          <a:prstGeom prst="rect">
+            <a:avLst/>
+          </a:prstGeom>
+        </p:spPr>
+      </p:pic>
+      <p:sp>
+        <p:nvSpPr>
+          <p:cNvPr id="10" name="Otsikko 1">
+            <a:extLst>
+              <a:ext uri="{FF2B5EF4-FFF2-40B4-BE49-F238E27FC236}">
+                <a16:creationId xmlns:a16="http://schemas.microsoft.com/office/drawing/2014/main" id="{32E69732-A8F6-44AE-981B-C743876E8D6C}"/>
+              </a:ext>
+            </a:extLst>
+          </p:cNvPr>
+          <p:cNvSpPr txBox="1">
+            <a:spLocks/>
+          </p:cNvSpPr>
+          <p:nvPr/>
+        </p:nvSpPr>
+        <p:spPr>
+          <a:xfrm>
+            <a:off x="1141412" y="0"/>
+            <a:ext cx="11050588" cy="1478570"/>
+          </a:xfrm>
+          <a:prstGeom prst="rect">
+            <a:avLst/>
+          </a:prstGeom>
+        </p:spPr>
+        <p:txBody>
+          <a:bodyPr vert="horz" lIns="91440" tIns="45720" rIns="91440" bIns="45720" rtlCol="0" anchor="ctr">
+            <a:normAutofit/>
+          </a:bodyPr>
+          <a:lstStyle>
+            <a:lvl1pPr algn="l" defTabSz="914400" rtl="0" eaLnBrk="1" latinLnBrk="0" hangingPunct="1">
+              <a:lnSpc>
+                <a:spcPct val="90000"/>
+              </a:lnSpc>
+              <a:spcBef>
+                <a:spcPct val="0"/>
+              </a:spcBef>
+              <a:buNone/>
+              <a:defRPr sz="3600" kern="1200" cap="all" baseline="0">
+                <a:solidFill>
+                  <a:schemeClr val="tx1"/>
+                </a:solidFill>
+                <a:latin typeface="+mj-lt"/>
+                <a:ea typeface="+mj-ea"/>
+                <a:cs typeface="+mj-cs"/>
+              </a:defRPr>
+            </a:lvl1pPr>
+          </a:lstStyle>
+          <a:p>
+            <a:r>
+              <a:rPr lang="fi-FI" dirty="0"/>
+              <a:t>Sprint 1	</a:t>
+            </a:r>
+            <a:r>
+              <a:rPr lang="fi-FI" sz="2000" dirty="0"/>
+              <a:t>(17.-31.1.2018 – TOTEUTUNUT AIKATAULUSSA)</a:t>
+            </a:r>
+            <a:endParaRPr lang="en-US" dirty="0"/>
+          </a:p>
+        </p:txBody>
+      </p:sp>
+    </p:spTree>
+    <p:extLst>
+      <p:ext uri="{BB962C8B-B14F-4D97-AF65-F5344CB8AC3E}">
+        <p14:creationId xmlns:p14="http://schemas.microsoft.com/office/powerpoint/2010/main" val="3723649761"/>
+      </p:ext>
+    </p:extLst>
+  </p:cSld>
+  <p:clrMapOvr>
+    <a:masterClrMapping/>
+  </p:clrMapOvr>
+</p:sld>
+</file>
+
+<file path=ppt/slides/slide5.xml><?xml version="1.0" encoding="utf-8"?>
+<p:sld xmlns:a="http://schemas.openxmlformats.org/drawingml/2006/main" xmlns:r="http://schemas.openxmlformats.org/officeDocument/2006/relationships" xmlns:p="http://schemas.openxmlformats.org/presentationml/2006/main">
+  <p:cSld>
+    <p:spTree>
+      <p:nvGrpSpPr>
+        <p:cNvPr id="1" name=""/>
+        <p:cNvGrpSpPr/>
+        <p:nvPr/>
+      </p:nvGrpSpPr>
+      <p:grpSpPr>
+        <a:xfrm>
+          <a:off x="0" y="0"/>
+          <a:ext cx="0" cy="0"/>
+          <a:chOff x="0" y="0"/>
+          <a:chExt cx="0" cy="0"/>
+        </a:xfrm>
+      </p:grpSpPr>
+      <p:sp>
+        <p:nvSpPr>
           <p:cNvPr id="2" name="Otsikko 1">
             <a:extLst>
               <a:ext uri="{FF2B5EF4-FFF2-40B4-BE49-F238E27FC236}">
@@ -13208,7 +13480,12 @@
             <p:ph type="title"/>
           </p:nvPr>
         </p:nvSpPr>
-        <p:spPr/>
+        <p:spPr>
+          <a:xfrm>
+            <a:off x="1141412" y="0"/>
+            <a:ext cx="11050588" cy="1478570"/>
+          </a:xfrm>
+        </p:spPr>
         <p:txBody>
           <a:bodyPr/>
           <a:lstStyle/>
@@ -13381,7 +13658,156 @@
 </p:sld>
 </file>
 
-<file path=ppt/slides/slide5.xml><?xml version="1.0" encoding="utf-8"?>
+<file path=ppt/slides/slide6.xml><?xml version="1.0" encoding="utf-8"?>
+<p:sld xmlns:a="http://schemas.openxmlformats.org/drawingml/2006/main" xmlns:r="http://schemas.openxmlformats.org/officeDocument/2006/relationships" xmlns:p="http://schemas.openxmlformats.org/presentationml/2006/main">
+  <p:cSld>
+    <p:spTree>
+      <p:nvGrpSpPr>
+        <p:cNvPr id="1" name=""/>
+        <p:cNvGrpSpPr/>
+        <p:nvPr/>
+      </p:nvGrpSpPr>
+      <p:grpSpPr>
+        <a:xfrm>
+          <a:off x="0" y="0"/>
+          <a:ext cx="0" cy="0"/>
+          <a:chOff x="0" y="0"/>
+          <a:chExt cx="0" cy="0"/>
+        </a:xfrm>
+      </p:grpSpPr>
+      <p:sp>
+        <p:nvSpPr>
+          <p:cNvPr id="9" name="Suorakulmio 8">
+            <a:extLst>
+              <a:ext uri="{FF2B5EF4-FFF2-40B4-BE49-F238E27FC236}">
+                <a16:creationId xmlns:a16="http://schemas.microsoft.com/office/drawing/2014/main" id="{C3EF0EAF-6520-4112-91CD-BFE35017D9F0}"/>
+              </a:ext>
+            </a:extLst>
+          </p:cNvPr>
+          <p:cNvSpPr/>
+          <p:nvPr/>
+        </p:nvSpPr>
+        <p:spPr>
+          <a:xfrm>
+            <a:off x="731520" y="285135"/>
+            <a:ext cx="10546080" cy="5999759"/>
+          </a:xfrm>
+          <a:prstGeom prst="rect">
+            <a:avLst/>
+          </a:prstGeom>
+          <a:solidFill>
+            <a:srgbClr val="3C4FDE">
+              <a:alpha val="20000"/>
+            </a:srgbClr>
+          </a:solidFill>
+        </p:spPr>
+        <p:style>
+          <a:lnRef idx="2">
+            <a:schemeClr val="accent1">
+              <a:shade val="50000"/>
+            </a:schemeClr>
+          </a:lnRef>
+          <a:fillRef idx="1">
+            <a:schemeClr val="accent1"/>
+          </a:fillRef>
+          <a:effectRef idx="0">
+            <a:schemeClr val="accent1"/>
+          </a:effectRef>
+          <a:fontRef idx="minor">
+            <a:schemeClr val="lt1"/>
+          </a:fontRef>
+        </p:style>
+        <p:txBody>
+          <a:bodyPr rtlCol="0" anchor="ctr"/>
+          <a:lstStyle/>
+          <a:p>
+            <a:pPr algn="ctr"/>
+            <a:endParaRPr lang="en-US"/>
+          </a:p>
+        </p:txBody>
+      </p:sp>
+      <p:pic>
+        <p:nvPicPr>
+          <p:cNvPr id="4" name="Kuva 3">
+            <a:extLst>
+              <a:ext uri="{FF2B5EF4-FFF2-40B4-BE49-F238E27FC236}">
+                <a16:creationId xmlns:a16="http://schemas.microsoft.com/office/drawing/2014/main" id="{0385A5A4-A158-4739-9E59-62EA18E1A799}"/>
+              </a:ext>
+            </a:extLst>
+          </p:cNvPr>
+          <p:cNvPicPr>
+            <a:picLocks noChangeAspect="1"/>
+          </p:cNvPicPr>
+          <p:nvPr/>
+        </p:nvPicPr>
+        <p:blipFill>
+          <a:blip r:embed="rId3"/>
+          <a:stretch>
+            <a:fillRect/>
+          </a:stretch>
+        </p:blipFill>
+        <p:spPr>
+          <a:xfrm>
+            <a:off x="731520" y="285135"/>
+            <a:ext cx="10424160" cy="5999759"/>
+          </a:xfrm>
+          <a:prstGeom prst="rect">
+            <a:avLst/>
+          </a:prstGeom>
+        </p:spPr>
+      </p:pic>
+      <p:sp>
+        <p:nvSpPr>
+          <p:cNvPr id="8" name="Otsikko 1">
+            <a:extLst>
+              <a:ext uri="{FF2B5EF4-FFF2-40B4-BE49-F238E27FC236}">
+                <a16:creationId xmlns:a16="http://schemas.microsoft.com/office/drawing/2014/main" id="{609116A2-CB2D-44F3-B861-BC2C3522BA68}"/>
+              </a:ext>
+            </a:extLst>
+          </p:cNvPr>
+          <p:cNvSpPr>
+            <a:spLocks noGrp="1"/>
+          </p:cNvSpPr>
+          <p:nvPr>
+            <p:ph type="title"/>
+          </p:nvPr>
+        </p:nvSpPr>
+        <p:spPr>
+          <a:xfrm>
+            <a:off x="1141412" y="0"/>
+            <a:ext cx="11050588" cy="1478570"/>
+          </a:xfrm>
+        </p:spPr>
+        <p:txBody>
+          <a:bodyPr/>
+          <a:lstStyle/>
+          <a:p>
+            <a:r>
+              <a:rPr lang="fi-FI" dirty="0"/>
+              <a:t>Sprint 2  </a:t>
+            </a:r>
+            <a:r>
+              <a:rPr lang="fi-FI" sz="2000" dirty="0"/>
+              <a:t>(1.-14.2.2018 – Toteutunut aikataulussa)</a:t>
+            </a:r>
+            <a:endParaRPr lang="en-US" sz="2000" dirty="0"/>
+          </a:p>
+        </p:txBody>
+      </p:sp>
+    </p:spTree>
+    <p:extLst>
+      <p:ext uri="{BB962C8B-B14F-4D97-AF65-F5344CB8AC3E}">
+        <p14:creationId xmlns:p14="http://schemas.microsoft.com/office/powerpoint/2010/main" val="3786377887"/>
+      </p:ext>
+    </p:extLst>
+  </p:cSld>
+  <p:clrMapOvr>
+    <a:masterClrMapping/>
+  </p:clrMapOvr>
+</p:sld>
+</file>
+
+<file path=ppt/slides/slide7.xml><?xml version="1.0" encoding="utf-8"?>
 <p:sld xmlns:a="http://schemas.openxmlformats.org/drawingml/2006/main" xmlns:r="http://schemas.openxmlformats.org/officeDocument/2006/relationships" xmlns:p="http://schemas.openxmlformats.org/presentationml/2006/main">
   <p:cSld>
     <p:spTree>
@@ -13414,7 +13840,12 @@
             <p:ph type="title"/>
           </p:nvPr>
         </p:nvSpPr>
-        <p:spPr/>
+        <p:spPr>
+          <a:xfrm>
+            <a:off x="1141412" y="0"/>
+            <a:ext cx="11050588" cy="1478570"/>
+          </a:xfrm>
+        </p:spPr>
         <p:txBody>
           <a:bodyPr/>
           <a:lstStyle/>
@@ -13425,7 +13856,11 @@
             </a:r>
             <a:r>
               <a:rPr lang="fi-FI" sz="2000" dirty="0"/>
-              <a:t>(15.-28.2.2018)</a:t>
+              <a:t>(15</a:t>
+            </a:r>
+            <a:r>
+              <a:rPr lang="fi-FI" sz="2000"/>
+              <a:t>.-28.2.2018 – EI TOTEUTUNUT AIKATAULUSSA)</a:t>
             </a:r>
             <a:endParaRPr lang="en-US" sz="2000" dirty="0"/>
           </a:p>
@@ -13463,22 +13898,47 @@
             <a:pPr lvl="1"/>
             <a:r>
               <a:rPr lang="fi-FI" dirty="0"/>
-              <a:t>JAVA konsolisovelluksen muuttaminen palvelinsovellukseksi</a:t>
-            </a:r>
+              <a:t>JAVA konsolisovelluksen muuttaminen palvelinsovellukseksi		</a:t>
+            </a:r>
+            <a:r>
+              <a:rPr lang="fi-FI" dirty="0">
+                <a:sym typeface="Wingdings" panose="05000000000000000000" pitchFamily="2" charset="2"/>
+              </a:rPr>
+              <a:t> Valmis</a:t>
+            </a:r>
+            <a:endParaRPr lang="fi-FI" dirty="0"/>
           </a:p>
           <a:p>
             <a:pPr lvl="1"/>
             <a:r>
               <a:rPr lang="fi-FI" dirty="0"/>
-              <a:t>Asiakassovellus palvelinsovelluksen etähallintaan</a:t>
-            </a:r>
+              <a:t>Asiakassovellus palvelinsovelluksen etähallintaan			</a:t>
+            </a:r>
+            <a:r>
+              <a:rPr lang="fi-FI" dirty="0">
+                <a:sym typeface="Wingdings" panose="05000000000000000000" pitchFamily="2" charset="2"/>
+              </a:rPr>
+              <a:t> Valmis</a:t>
+            </a:r>
+            <a:endParaRPr lang="fi-FI" dirty="0"/>
           </a:p>
           <a:p>
             <a:pPr lvl="1"/>
             <a:r>
               <a:rPr lang="fi-FI" dirty="0"/>
-              <a:t>Asiakassovellus anturilaitteille tiedon lähettämiseksi palvelimelle</a:t>
-            </a:r>
+              <a:t>Asiakassovellus anturilaitteille tiedon </a:t>
+            </a:r>
+            <a:r>
+              <a:rPr lang="fi-FI"/>
+              <a:t>lähettämiseksi palvelimelle		</a:t>
+            </a:r>
+            <a:r>
+              <a:rPr lang="fi-FI">
+                <a:sym typeface="Wingdings" panose="05000000000000000000" pitchFamily="2" charset="2"/>
+              </a:rPr>
+              <a:t> Valmis</a:t>
+            </a:r>
+            <a:endParaRPr lang="fi-FI" dirty="0"/>
           </a:p>
           <a:p>
             <a:pPr lvl="1"/>
@@ -13508,8 +13968,19 @@
             </a:r>
             <a:r>
               <a:rPr lang="fi-FI" dirty="0"/>
-              <a:t>palvelimen käyttäytymisen, eli onko oikeus lukea vai kirjoittaa arvoja</a:t>
-            </a:r>
+              <a:t>palvelimen käyttäytymisen, eli onko oikeus lukea vai kirjoittaa arvoja						</a:t>
+            </a:r>
+            <a:r>
+              <a:rPr lang="fi-FI"/>
+              <a:t>	</a:t>
+            </a:r>
+            <a:r>
+              <a:rPr lang="fi-FI">
+                <a:sym typeface="Wingdings" panose="05000000000000000000" pitchFamily="2" charset="2"/>
+              </a:rPr>
+              <a:t> Valmis</a:t>
+            </a:r>
+            <a:endParaRPr lang="fi-FI" dirty="0"/>
           </a:p>
           <a:p>
             <a:endParaRPr lang="en-US" dirty="0"/>
@@ -13529,7 +14000,156 @@
 </p:sld>
 </file>
 
-<file path=ppt/slides/slide6.xml><?xml version="1.0" encoding="utf-8"?>
+<file path=ppt/slides/slide8.xml><?xml version="1.0" encoding="utf-8"?>
+<p:sld xmlns:a="http://schemas.openxmlformats.org/drawingml/2006/main" xmlns:r="http://schemas.openxmlformats.org/officeDocument/2006/relationships" xmlns:p="http://schemas.openxmlformats.org/presentationml/2006/main">
+  <p:cSld>
+    <p:spTree>
+      <p:nvGrpSpPr>
+        <p:cNvPr id="1" name=""/>
+        <p:cNvGrpSpPr/>
+        <p:nvPr/>
+      </p:nvGrpSpPr>
+      <p:grpSpPr>
+        <a:xfrm>
+          <a:off x="0" y="0"/>
+          <a:ext cx="0" cy="0"/>
+          <a:chOff x="0" y="0"/>
+          <a:chExt cx="0" cy="0"/>
+        </a:xfrm>
+      </p:grpSpPr>
+      <p:sp>
+        <p:nvSpPr>
+          <p:cNvPr id="6" name="Suorakulmio 5">
+            <a:extLst>
+              <a:ext uri="{FF2B5EF4-FFF2-40B4-BE49-F238E27FC236}">
+                <a16:creationId xmlns:a16="http://schemas.microsoft.com/office/drawing/2014/main" id="{89A7C95D-818A-4FF6-886E-8C41CC91E8DD}"/>
+              </a:ext>
+            </a:extLst>
+          </p:cNvPr>
+          <p:cNvSpPr/>
+          <p:nvPr/>
+        </p:nvSpPr>
+        <p:spPr>
+          <a:xfrm>
+            <a:off x="731520" y="285135"/>
+            <a:ext cx="10728960" cy="6203473"/>
+          </a:xfrm>
+          <a:prstGeom prst="rect">
+            <a:avLst/>
+          </a:prstGeom>
+          <a:solidFill>
+            <a:srgbClr val="3C4FDE">
+              <a:alpha val="20000"/>
+            </a:srgbClr>
+          </a:solidFill>
+        </p:spPr>
+        <p:style>
+          <a:lnRef idx="2">
+            <a:schemeClr val="accent1">
+              <a:shade val="50000"/>
+            </a:schemeClr>
+          </a:lnRef>
+          <a:fillRef idx="1">
+            <a:schemeClr val="accent1"/>
+          </a:fillRef>
+          <a:effectRef idx="0">
+            <a:schemeClr val="accent1"/>
+          </a:effectRef>
+          <a:fontRef idx="minor">
+            <a:schemeClr val="lt1"/>
+          </a:fontRef>
+        </p:style>
+        <p:txBody>
+          <a:bodyPr rtlCol="0" anchor="ctr"/>
+          <a:lstStyle/>
+          <a:p>
+            <a:pPr algn="ctr"/>
+            <a:endParaRPr lang="en-US"/>
+          </a:p>
+        </p:txBody>
+      </p:sp>
+      <p:sp>
+        <p:nvSpPr>
+          <p:cNvPr id="2" name="Otsikko 1">
+            <a:extLst>
+              <a:ext uri="{FF2B5EF4-FFF2-40B4-BE49-F238E27FC236}">
+                <a16:creationId xmlns:a16="http://schemas.microsoft.com/office/drawing/2014/main" id="{081D4C4A-2B07-4017-AEA4-7DD08E6CC82A}"/>
+              </a:ext>
+            </a:extLst>
+          </p:cNvPr>
+          <p:cNvSpPr>
+            <a:spLocks noGrp="1"/>
+          </p:cNvSpPr>
+          <p:nvPr>
+            <p:ph type="title"/>
+          </p:nvPr>
+        </p:nvSpPr>
+        <p:spPr>
+          <a:xfrm>
+            <a:off x="1141412" y="0"/>
+            <a:ext cx="11050588" cy="1478570"/>
+          </a:xfrm>
+        </p:spPr>
+        <p:txBody>
+          <a:bodyPr/>
+          <a:lstStyle/>
+          <a:p>
+            <a:r>
+              <a:rPr lang="fi-FI" dirty="0"/>
+              <a:t>Sprint 3  </a:t>
+            </a:r>
+            <a:r>
+              <a:rPr lang="fi-FI" sz="2000" dirty="0"/>
+              <a:t>(15.-28.2.2018)</a:t>
+            </a:r>
+            <a:endParaRPr lang="en-US" sz="2000" dirty="0"/>
+          </a:p>
+        </p:txBody>
+      </p:sp>
+      <p:pic>
+        <p:nvPicPr>
+          <p:cNvPr id="5" name="Kuva 4">
+            <a:extLst>
+              <a:ext uri="{FF2B5EF4-FFF2-40B4-BE49-F238E27FC236}">
+                <a16:creationId xmlns:a16="http://schemas.microsoft.com/office/drawing/2014/main" id="{D640C7FA-2B46-4303-8834-DF40C4278269}"/>
+              </a:ext>
+            </a:extLst>
+          </p:cNvPr>
+          <p:cNvPicPr>
+            <a:picLocks noChangeAspect="1"/>
+          </p:cNvPicPr>
+          <p:nvPr/>
+        </p:nvPicPr>
+        <p:blipFill>
+          <a:blip r:embed="rId2"/>
+          <a:stretch>
+            <a:fillRect/>
+          </a:stretch>
+        </p:blipFill>
+        <p:spPr>
+          <a:xfrm>
+            <a:off x="1152298" y="500962"/>
+            <a:ext cx="9909176" cy="6028359"/>
+          </a:xfrm>
+          <a:prstGeom prst="rect">
+            <a:avLst/>
+          </a:prstGeom>
+        </p:spPr>
+      </p:pic>
+    </p:spTree>
+    <p:extLst>
+      <p:ext uri="{BB962C8B-B14F-4D97-AF65-F5344CB8AC3E}">
+        <p14:creationId xmlns:p14="http://schemas.microsoft.com/office/powerpoint/2010/main" val="2123063422"/>
+      </p:ext>
+    </p:extLst>
+  </p:cSld>
+  <p:clrMapOvr>
+    <a:masterClrMapping/>
+  </p:clrMapOvr>
+</p:sld>
+</file>
+
+<file path=ppt/slides/slide9.xml><?xml version="1.0" encoding="utf-8"?>
 <p:sld xmlns:a="http://schemas.openxmlformats.org/drawingml/2006/main" xmlns:r="http://schemas.openxmlformats.org/officeDocument/2006/relationships" xmlns:p="http://schemas.openxmlformats.org/presentationml/2006/main">
   <p:cSld>
     <p:spTree>
@@ -13562,7 +14182,12 @@
             <p:ph type="title"/>
           </p:nvPr>
         </p:nvSpPr>
-        <p:spPr/>
+        <p:spPr>
+          <a:xfrm>
+            <a:off x="1141412" y="0"/>
+            <a:ext cx="11050588" cy="1478570"/>
+          </a:xfrm>
+        </p:spPr>
         <p:txBody>
           <a:bodyPr/>
           <a:lstStyle/>
@@ -13598,20 +14223,34 @@
         <p:spPr/>
         <p:txBody>
           <a:bodyPr vert="horz" lIns="91440" tIns="45720" rIns="91440" bIns="45720" rtlCol="0" anchor="t">
-            <a:normAutofit/>
+            <a:normAutofit lnSpcReduction="10000"/>
           </a:bodyPr>
           <a:lstStyle/>
           <a:p>
             <a:r>
               <a:rPr lang="fi-FI"/>
-              <a:t>Datan kirjoitus tietokantaan 1min välein/asiakassovellus</a:t>
-            </a:r>
+              <a:t>Datan kirjoitus tietokantaan 1min välein/asiakassovellus		</a:t>
+            </a:r>
+            <a:r>
+              <a:rPr lang="fi-FI">
+                <a:sym typeface="Wingdings" panose="05000000000000000000" pitchFamily="2" charset="2"/>
+              </a:rPr>
+              <a:t> Valmis</a:t>
+            </a:r>
+            <a:endParaRPr lang="fi-FI"/>
           </a:p>
           <a:p>
             <a:r>
               <a:rPr lang="fi-FI"/>
-              <a:t>Tietokannassa 1000 riviä dataa</a:t>
-            </a:r>
+              <a:t>Tietokannassa 1000 riviä dataa					</a:t>
+            </a:r>
+            <a:r>
+              <a:rPr lang="fi-FI">
+                <a:sym typeface="Wingdings" panose="05000000000000000000" pitchFamily="2" charset="2"/>
+              </a:rPr>
+              <a:t> Valmis</a:t>
+            </a:r>
+            <a:endParaRPr lang="fi-FI"/>
           </a:p>
           <a:p>
             <a:r>
@@ -13637,6 +14276,24 @@
             <a:r>
               <a:rPr lang="fi-FI"/>
               <a:t>Haku järjestettynä lämpötilojen mukaan</a:t>
+            </a:r>
+          </a:p>
+          <a:p>
+            <a:pPr>
+              <a:buFont typeface="Arial"/>
+            </a:pPr>
+            <a:r>
+              <a:rPr lang="fi-FI"/>
+              <a:t>Wiki (dokumentointi)</a:t>
+            </a:r>
+          </a:p>
+          <a:p>
+            <a:pPr>
+              <a:buFont typeface="Arial"/>
+            </a:pPr>
+            <a:r>
+              <a:rPr lang="fi-FI"/>
+              <a:t>Ohjelmistotestaus</a:t>
             </a:r>
             <a:endParaRPr lang="en-US"/>
           </a:p>
